--- a/ppt 16-9/1241.青年献身.pptx
+++ b/ppt 16-9/1241.青年献身.pptx
@@ -5,7 +5,7 @@
     <p:sldMasterId id="2147483648" r:id="rId1"/>
   </p:sldMasterIdLst>
   <p:sldIdLst>
-    <p:sldId id="780" r:id="rId2"/>
+    <p:sldId id="781" r:id="rId2"/>
   </p:sldIdLst>
   <p:sldSz cx="12192000" cy="6858000"/>
   <p:notesSz cx="6858000" cy="9144000"/>
@@ -129,7 +129,7 @@
           <p:cNvPr id="2" name="标题 1">
             <a:extLst>
               <a:ext uri="{FF2B5EF4-FFF2-40B4-BE49-F238E27FC236}">
-                <a16:creationId xmlns:a16="http://schemas.microsoft.com/office/drawing/2014/main" id="{8E045BD1-FAD5-05D2-C6EC-5E175A12E9F5}"/>
+                <a16:creationId xmlns:a16="http://schemas.microsoft.com/office/drawing/2014/main" id="{CB529CD9-C199-D801-F2B4-BB0EFC0AED43}"/>
               </a:ext>
             </a:extLst>
           </p:cNvPr>
@@ -166,7 +166,7 @@
           <p:cNvPr id="3" name="副标题 2">
             <a:extLst>
               <a:ext uri="{FF2B5EF4-FFF2-40B4-BE49-F238E27FC236}">
-                <a16:creationId xmlns:a16="http://schemas.microsoft.com/office/drawing/2014/main" id="{B21B0A41-409D-E2C4-171A-339EB43DFC90}"/>
+                <a16:creationId xmlns:a16="http://schemas.microsoft.com/office/drawing/2014/main" id="{264B9C09-75A1-AA84-CC02-F087215BDB71}"/>
               </a:ext>
             </a:extLst>
           </p:cNvPr>
@@ -236,7 +236,7 @@
           <p:cNvPr id="4" name="日期占位符 3">
             <a:extLst>
               <a:ext uri="{FF2B5EF4-FFF2-40B4-BE49-F238E27FC236}">
-                <a16:creationId xmlns:a16="http://schemas.microsoft.com/office/drawing/2014/main" id="{B4A66FF2-DA1D-EEF5-67C3-0EB12100634D}"/>
+                <a16:creationId xmlns:a16="http://schemas.microsoft.com/office/drawing/2014/main" id="{866C35C8-028A-3BF9-41A3-F4B2093BEFF7}"/>
               </a:ext>
             </a:extLst>
           </p:cNvPr>
@@ -252,7 +252,7 @@
           <a:bodyPr/>
           <a:lstStyle/>
           <a:p>
-            <a:fld id="{6CC04AF2-31C3-4651-A44D-DE6AC40EAD4B}" type="datetimeFigureOut">
+            <a:fld id="{4D0CB469-3088-48A8-90F4-DB8C3211BEBC}" type="datetimeFigureOut">
               <a:rPr lang="zh-CN" altLang="en-US" smtClean="0"/>
               <a:t>2024/3/10</a:t>
             </a:fld>
@@ -265,7 +265,7 @@
           <p:cNvPr id="5" name="页脚占位符 4">
             <a:extLst>
               <a:ext uri="{FF2B5EF4-FFF2-40B4-BE49-F238E27FC236}">
-                <a16:creationId xmlns:a16="http://schemas.microsoft.com/office/drawing/2014/main" id="{6DF96ACE-035B-47A5-A78D-4782C9B0BBC4}"/>
+                <a16:creationId xmlns:a16="http://schemas.microsoft.com/office/drawing/2014/main" id="{5CB59822-5DD6-05E3-26CD-7B13B0F599FA}"/>
               </a:ext>
             </a:extLst>
           </p:cNvPr>
@@ -290,7 +290,7 @@
           <p:cNvPr id="6" name="灯片编号占位符 5">
             <a:extLst>
               <a:ext uri="{FF2B5EF4-FFF2-40B4-BE49-F238E27FC236}">
-                <a16:creationId xmlns:a16="http://schemas.microsoft.com/office/drawing/2014/main" id="{00C83919-82DA-BC69-6F57-8250D5E69681}"/>
+                <a16:creationId xmlns:a16="http://schemas.microsoft.com/office/drawing/2014/main" id="{45930746-4B98-250B-EC78-4E5494E3C88F}"/>
               </a:ext>
             </a:extLst>
           </p:cNvPr>
@@ -306,7 +306,7 @@
           <a:bodyPr/>
           <a:lstStyle/>
           <a:p>
-            <a:fld id="{B5FC9A1A-C74F-4F2D-9997-39B4576ED4EB}" type="slidenum">
+            <a:fld id="{6AD8B60D-DB2A-4358-BEF7-61348644784B}" type="slidenum">
               <a:rPr lang="zh-CN" altLang="en-US" smtClean="0"/>
               <a:t>‹#›</a:t>
             </a:fld>
@@ -317,7 +317,7 @@
     </p:spTree>
     <p:extLst>
       <p:ext uri="{BB962C8B-B14F-4D97-AF65-F5344CB8AC3E}">
-        <p14:creationId xmlns:p14="http://schemas.microsoft.com/office/powerpoint/2010/main" val="3821910355"/>
+        <p14:creationId xmlns:p14="http://schemas.microsoft.com/office/powerpoint/2010/main" val="3234530904"/>
       </p:ext>
     </p:extLst>
   </p:cSld>
@@ -349,7 +349,7 @@
           <p:cNvPr id="2" name="标题 1">
             <a:extLst>
               <a:ext uri="{FF2B5EF4-FFF2-40B4-BE49-F238E27FC236}">
-                <a16:creationId xmlns:a16="http://schemas.microsoft.com/office/drawing/2014/main" id="{65E1B43D-F8EB-58CD-6396-33F7339FF521}"/>
+                <a16:creationId xmlns:a16="http://schemas.microsoft.com/office/drawing/2014/main" id="{FCC9B6E5-6EE0-6F09-B7C6-319640683165}"/>
               </a:ext>
             </a:extLst>
           </p:cNvPr>
@@ -377,7 +377,7 @@
           <p:cNvPr id="3" name="竖排文字占位符 2">
             <a:extLst>
               <a:ext uri="{FF2B5EF4-FFF2-40B4-BE49-F238E27FC236}">
-                <a16:creationId xmlns:a16="http://schemas.microsoft.com/office/drawing/2014/main" id="{77B5B1E3-EF51-1A82-3AE3-8D4589E0DBE8}"/>
+                <a16:creationId xmlns:a16="http://schemas.microsoft.com/office/drawing/2014/main" id="{223944B0-FF38-77DF-7124-71DDBBFEBB5B}"/>
               </a:ext>
             </a:extLst>
           </p:cNvPr>
@@ -434,7 +434,7 @@
           <p:cNvPr id="4" name="日期占位符 3">
             <a:extLst>
               <a:ext uri="{FF2B5EF4-FFF2-40B4-BE49-F238E27FC236}">
-                <a16:creationId xmlns:a16="http://schemas.microsoft.com/office/drawing/2014/main" id="{28DE0D73-556B-027D-6CA8-D45B3A7D0842}"/>
+                <a16:creationId xmlns:a16="http://schemas.microsoft.com/office/drawing/2014/main" id="{B9CEA0BE-2AA8-D209-9B89-42CD8222F4E8}"/>
               </a:ext>
             </a:extLst>
           </p:cNvPr>
@@ -450,7 +450,7 @@
           <a:bodyPr/>
           <a:lstStyle/>
           <a:p>
-            <a:fld id="{6CC04AF2-31C3-4651-A44D-DE6AC40EAD4B}" type="datetimeFigureOut">
+            <a:fld id="{4D0CB469-3088-48A8-90F4-DB8C3211BEBC}" type="datetimeFigureOut">
               <a:rPr lang="zh-CN" altLang="en-US" smtClean="0"/>
               <a:t>2024/3/10</a:t>
             </a:fld>
@@ -463,7 +463,7 @@
           <p:cNvPr id="5" name="页脚占位符 4">
             <a:extLst>
               <a:ext uri="{FF2B5EF4-FFF2-40B4-BE49-F238E27FC236}">
-                <a16:creationId xmlns:a16="http://schemas.microsoft.com/office/drawing/2014/main" id="{E58FA182-B6C3-F1CF-B0A7-66A88DA1F576}"/>
+                <a16:creationId xmlns:a16="http://schemas.microsoft.com/office/drawing/2014/main" id="{B9F94C93-D711-5714-89A1-697ECFE1E147}"/>
               </a:ext>
             </a:extLst>
           </p:cNvPr>
@@ -488,7 +488,7 @@
           <p:cNvPr id="6" name="灯片编号占位符 5">
             <a:extLst>
               <a:ext uri="{FF2B5EF4-FFF2-40B4-BE49-F238E27FC236}">
-                <a16:creationId xmlns:a16="http://schemas.microsoft.com/office/drawing/2014/main" id="{7BE03395-2552-BC4E-123F-85E708FD9FED}"/>
+                <a16:creationId xmlns:a16="http://schemas.microsoft.com/office/drawing/2014/main" id="{170855C3-4EAA-00BB-579E-AE79714A9D9F}"/>
               </a:ext>
             </a:extLst>
           </p:cNvPr>
@@ -504,7 +504,7 @@
           <a:bodyPr/>
           <a:lstStyle/>
           <a:p>
-            <a:fld id="{B5FC9A1A-C74F-4F2D-9997-39B4576ED4EB}" type="slidenum">
+            <a:fld id="{6AD8B60D-DB2A-4358-BEF7-61348644784B}" type="slidenum">
               <a:rPr lang="zh-CN" altLang="en-US" smtClean="0"/>
               <a:t>‹#›</a:t>
             </a:fld>
@@ -515,7 +515,7 @@
     </p:spTree>
     <p:extLst>
       <p:ext uri="{BB962C8B-B14F-4D97-AF65-F5344CB8AC3E}">
-        <p14:creationId xmlns:p14="http://schemas.microsoft.com/office/powerpoint/2010/main" val="2462395603"/>
+        <p14:creationId xmlns:p14="http://schemas.microsoft.com/office/powerpoint/2010/main" val="152756579"/>
       </p:ext>
     </p:extLst>
   </p:cSld>
@@ -547,7 +547,7 @@
           <p:cNvPr id="2" name="竖排标题 1">
             <a:extLst>
               <a:ext uri="{FF2B5EF4-FFF2-40B4-BE49-F238E27FC236}">
-                <a16:creationId xmlns:a16="http://schemas.microsoft.com/office/drawing/2014/main" id="{54C36323-ACAD-1FB1-DDC4-B0D864AE8B0F}"/>
+                <a16:creationId xmlns:a16="http://schemas.microsoft.com/office/drawing/2014/main" id="{159B4FCE-549C-3DCE-9C6C-BE50C8486E2A}"/>
               </a:ext>
             </a:extLst>
           </p:cNvPr>
@@ -580,7 +580,7 @@
           <p:cNvPr id="3" name="竖排文字占位符 2">
             <a:extLst>
               <a:ext uri="{FF2B5EF4-FFF2-40B4-BE49-F238E27FC236}">
-                <a16:creationId xmlns:a16="http://schemas.microsoft.com/office/drawing/2014/main" id="{AF69D815-B3F0-F8A1-107D-12AB2A23E2EE}"/>
+                <a16:creationId xmlns:a16="http://schemas.microsoft.com/office/drawing/2014/main" id="{2DE91AC8-7EF5-BBBA-5392-D90709DDD060}"/>
               </a:ext>
             </a:extLst>
           </p:cNvPr>
@@ -642,7 +642,7 @@
           <p:cNvPr id="4" name="日期占位符 3">
             <a:extLst>
               <a:ext uri="{FF2B5EF4-FFF2-40B4-BE49-F238E27FC236}">
-                <a16:creationId xmlns:a16="http://schemas.microsoft.com/office/drawing/2014/main" id="{31FF734F-D3C5-83B1-FFC2-165CC1233371}"/>
+                <a16:creationId xmlns:a16="http://schemas.microsoft.com/office/drawing/2014/main" id="{341174DC-6913-ED5D-1D8E-53D629A81A30}"/>
               </a:ext>
             </a:extLst>
           </p:cNvPr>
@@ -658,7 +658,7 @@
           <a:bodyPr/>
           <a:lstStyle/>
           <a:p>
-            <a:fld id="{6CC04AF2-31C3-4651-A44D-DE6AC40EAD4B}" type="datetimeFigureOut">
+            <a:fld id="{4D0CB469-3088-48A8-90F4-DB8C3211BEBC}" type="datetimeFigureOut">
               <a:rPr lang="zh-CN" altLang="en-US" smtClean="0"/>
               <a:t>2024/3/10</a:t>
             </a:fld>
@@ -671,7 +671,7 @@
           <p:cNvPr id="5" name="页脚占位符 4">
             <a:extLst>
               <a:ext uri="{FF2B5EF4-FFF2-40B4-BE49-F238E27FC236}">
-                <a16:creationId xmlns:a16="http://schemas.microsoft.com/office/drawing/2014/main" id="{59C58613-B6AD-C9D0-CBFB-CD1D4BE62CCD}"/>
+                <a16:creationId xmlns:a16="http://schemas.microsoft.com/office/drawing/2014/main" id="{7683B86D-7DE6-FF88-D031-94F65E593D72}"/>
               </a:ext>
             </a:extLst>
           </p:cNvPr>
@@ -696,7 +696,7 @@
           <p:cNvPr id="6" name="灯片编号占位符 5">
             <a:extLst>
               <a:ext uri="{FF2B5EF4-FFF2-40B4-BE49-F238E27FC236}">
-                <a16:creationId xmlns:a16="http://schemas.microsoft.com/office/drawing/2014/main" id="{63E68715-E10C-2320-342B-765FE320621C}"/>
+                <a16:creationId xmlns:a16="http://schemas.microsoft.com/office/drawing/2014/main" id="{8670BAC9-C88B-7634-6CF6-C21FF4AD266F}"/>
               </a:ext>
             </a:extLst>
           </p:cNvPr>
@@ -712,7 +712,7 @@
           <a:bodyPr/>
           <a:lstStyle/>
           <a:p>
-            <a:fld id="{B5FC9A1A-C74F-4F2D-9997-39B4576ED4EB}" type="slidenum">
+            <a:fld id="{6AD8B60D-DB2A-4358-BEF7-61348644784B}" type="slidenum">
               <a:rPr lang="zh-CN" altLang="en-US" smtClean="0"/>
               <a:t>‹#›</a:t>
             </a:fld>
@@ -723,7 +723,7 @@
     </p:spTree>
     <p:extLst>
       <p:ext uri="{BB962C8B-B14F-4D97-AF65-F5344CB8AC3E}">
-        <p14:creationId xmlns:p14="http://schemas.microsoft.com/office/powerpoint/2010/main" val="2672292249"/>
+        <p14:creationId xmlns:p14="http://schemas.microsoft.com/office/powerpoint/2010/main" val="2948845732"/>
       </p:ext>
     </p:extLst>
   </p:cSld>
@@ -755,7 +755,7 @@
           <p:cNvPr id="2" name="标题 1">
             <a:extLst>
               <a:ext uri="{FF2B5EF4-FFF2-40B4-BE49-F238E27FC236}">
-                <a16:creationId xmlns:a16="http://schemas.microsoft.com/office/drawing/2014/main" id="{8EE8C70E-D85D-1B8B-1D10-CD6733D19E61}"/>
+                <a16:creationId xmlns:a16="http://schemas.microsoft.com/office/drawing/2014/main" id="{695531EE-01F1-5BC7-1B02-E14B7B78CE96}"/>
               </a:ext>
             </a:extLst>
           </p:cNvPr>
@@ -783,7 +783,7 @@
           <p:cNvPr id="3" name="内容占位符 2">
             <a:extLst>
               <a:ext uri="{FF2B5EF4-FFF2-40B4-BE49-F238E27FC236}">
-                <a16:creationId xmlns:a16="http://schemas.microsoft.com/office/drawing/2014/main" id="{7D24826F-34C3-D5E9-D46A-72256A1857A1}"/>
+                <a16:creationId xmlns:a16="http://schemas.microsoft.com/office/drawing/2014/main" id="{7EE3B178-CCB1-A238-CE79-54FDE26E34D6}"/>
               </a:ext>
             </a:extLst>
           </p:cNvPr>
@@ -840,7 +840,7 @@
           <p:cNvPr id="4" name="日期占位符 3">
             <a:extLst>
               <a:ext uri="{FF2B5EF4-FFF2-40B4-BE49-F238E27FC236}">
-                <a16:creationId xmlns:a16="http://schemas.microsoft.com/office/drawing/2014/main" id="{1AE4C295-2656-9F96-F375-C859691C6889}"/>
+                <a16:creationId xmlns:a16="http://schemas.microsoft.com/office/drawing/2014/main" id="{23470216-BCC3-FAB3-CAFF-C8A2B79E9EA1}"/>
               </a:ext>
             </a:extLst>
           </p:cNvPr>
@@ -856,7 +856,7 @@
           <a:bodyPr/>
           <a:lstStyle/>
           <a:p>
-            <a:fld id="{6CC04AF2-31C3-4651-A44D-DE6AC40EAD4B}" type="datetimeFigureOut">
+            <a:fld id="{4D0CB469-3088-48A8-90F4-DB8C3211BEBC}" type="datetimeFigureOut">
               <a:rPr lang="zh-CN" altLang="en-US" smtClean="0"/>
               <a:t>2024/3/10</a:t>
             </a:fld>
@@ -869,7 +869,7 @@
           <p:cNvPr id="5" name="页脚占位符 4">
             <a:extLst>
               <a:ext uri="{FF2B5EF4-FFF2-40B4-BE49-F238E27FC236}">
-                <a16:creationId xmlns:a16="http://schemas.microsoft.com/office/drawing/2014/main" id="{388DB83D-EE88-7F60-7870-9D31CC3C3715}"/>
+                <a16:creationId xmlns:a16="http://schemas.microsoft.com/office/drawing/2014/main" id="{A03CEC60-32DF-66EE-3A8A-2D974E4C07CF}"/>
               </a:ext>
             </a:extLst>
           </p:cNvPr>
@@ -894,7 +894,7 @@
           <p:cNvPr id="6" name="灯片编号占位符 5">
             <a:extLst>
               <a:ext uri="{FF2B5EF4-FFF2-40B4-BE49-F238E27FC236}">
-                <a16:creationId xmlns:a16="http://schemas.microsoft.com/office/drawing/2014/main" id="{248DBBBB-DCEC-7CD4-CD10-C2FA6ABE853C}"/>
+                <a16:creationId xmlns:a16="http://schemas.microsoft.com/office/drawing/2014/main" id="{0767F0D8-2367-195E-1112-7A0704D3E540}"/>
               </a:ext>
             </a:extLst>
           </p:cNvPr>
@@ -910,7 +910,7 @@
           <a:bodyPr/>
           <a:lstStyle/>
           <a:p>
-            <a:fld id="{B5FC9A1A-C74F-4F2D-9997-39B4576ED4EB}" type="slidenum">
+            <a:fld id="{6AD8B60D-DB2A-4358-BEF7-61348644784B}" type="slidenum">
               <a:rPr lang="zh-CN" altLang="en-US" smtClean="0"/>
               <a:t>‹#›</a:t>
             </a:fld>
@@ -921,7 +921,7 @@
     </p:spTree>
     <p:extLst>
       <p:ext uri="{BB962C8B-B14F-4D97-AF65-F5344CB8AC3E}">
-        <p14:creationId xmlns:p14="http://schemas.microsoft.com/office/powerpoint/2010/main" val="2928623214"/>
+        <p14:creationId xmlns:p14="http://schemas.microsoft.com/office/powerpoint/2010/main" val="3591875429"/>
       </p:ext>
     </p:extLst>
   </p:cSld>
@@ -953,7 +953,7 @@
           <p:cNvPr id="2" name="标题 1">
             <a:extLst>
               <a:ext uri="{FF2B5EF4-FFF2-40B4-BE49-F238E27FC236}">
-                <a16:creationId xmlns:a16="http://schemas.microsoft.com/office/drawing/2014/main" id="{D4EBE635-5A59-F2C4-5BD3-93416F6BA3A8}"/>
+                <a16:creationId xmlns:a16="http://schemas.microsoft.com/office/drawing/2014/main" id="{2E5132EB-024E-B47B-7736-45B548AEA12E}"/>
               </a:ext>
             </a:extLst>
           </p:cNvPr>
@@ -990,7 +990,7 @@
           <p:cNvPr id="3" name="文本占位符 2">
             <a:extLst>
               <a:ext uri="{FF2B5EF4-FFF2-40B4-BE49-F238E27FC236}">
-                <a16:creationId xmlns:a16="http://schemas.microsoft.com/office/drawing/2014/main" id="{1390F932-56E3-EA2C-C2C6-FB19A785B956}"/>
+                <a16:creationId xmlns:a16="http://schemas.microsoft.com/office/drawing/2014/main" id="{873EBC59-DFBD-2D81-641C-AEFA175906F3}"/>
               </a:ext>
             </a:extLst>
           </p:cNvPr>
@@ -1115,7 +1115,7 @@
           <p:cNvPr id="4" name="日期占位符 3">
             <a:extLst>
               <a:ext uri="{FF2B5EF4-FFF2-40B4-BE49-F238E27FC236}">
-                <a16:creationId xmlns:a16="http://schemas.microsoft.com/office/drawing/2014/main" id="{D79ECBDF-FC8F-3B05-2758-0783531FAA39}"/>
+                <a16:creationId xmlns:a16="http://schemas.microsoft.com/office/drawing/2014/main" id="{DAFE6F97-007B-ABB1-0D29-A6D4350E4CCF}"/>
               </a:ext>
             </a:extLst>
           </p:cNvPr>
@@ -1131,7 +1131,7 @@
           <a:bodyPr/>
           <a:lstStyle/>
           <a:p>
-            <a:fld id="{6CC04AF2-31C3-4651-A44D-DE6AC40EAD4B}" type="datetimeFigureOut">
+            <a:fld id="{4D0CB469-3088-48A8-90F4-DB8C3211BEBC}" type="datetimeFigureOut">
               <a:rPr lang="zh-CN" altLang="en-US" smtClean="0"/>
               <a:t>2024/3/10</a:t>
             </a:fld>
@@ -1144,7 +1144,7 @@
           <p:cNvPr id="5" name="页脚占位符 4">
             <a:extLst>
               <a:ext uri="{FF2B5EF4-FFF2-40B4-BE49-F238E27FC236}">
-                <a16:creationId xmlns:a16="http://schemas.microsoft.com/office/drawing/2014/main" id="{83D7E2C3-4010-1938-6392-173297E64B99}"/>
+                <a16:creationId xmlns:a16="http://schemas.microsoft.com/office/drawing/2014/main" id="{361BDED3-E10A-F8B9-B902-C83B1C9BB640}"/>
               </a:ext>
             </a:extLst>
           </p:cNvPr>
@@ -1169,7 +1169,7 @@
           <p:cNvPr id="6" name="灯片编号占位符 5">
             <a:extLst>
               <a:ext uri="{FF2B5EF4-FFF2-40B4-BE49-F238E27FC236}">
-                <a16:creationId xmlns:a16="http://schemas.microsoft.com/office/drawing/2014/main" id="{B76E4CEC-D7A9-E0C7-8585-21EC582398E7}"/>
+                <a16:creationId xmlns:a16="http://schemas.microsoft.com/office/drawing/2014/main" id="{BCAC3D49-2F82-3D03-14A4-1282F380B555}"/>
               </a:ext>
             </a:extLst>
           </p:cNvPr>
@@ -1185,7 +1185,7 @@
           <a:bodyPr/>
           <a:lstStyle/>
           <a:p>
-            <a:fld id="{B5FC9A1A-C74F-4F2D-9997-39B4576ED4EB}" type="slidenum">
+            <a:fld id="{6AD8B60D-DB2A-4358-BEF7-61348644784B}" type="slidenum">
               <a:rPr lang="zh-CN" altLang="en-US" smtClean="0"/>
               <a:t>‹#›</a:t>
             </a:fld>
@@ -1196,7 +1196,7 @@
     </p:spTree>
     <p:extLst>
       <p:ext uri="{BB962C8B-B14F-4D97-AF65-F5344CB8AC3E}">
-        <p14:creationId xmlns:p14="http://schemas.microsoft.com/office/powerpoint/2010/main" val="1763083246"/>
+        <p14:creationId xmlns:p14="http://schemas.microsoft.com/office/powerpoint/2010/main" val="2538912092"/>
       </p:ext>
     </p:extLst>
   </p:cSld>
@@ -1228,7 +1228,7 @@
           <p:cNvPr id="2" name="标题 1">
             <a:extLst>
               <a:ext uri="{FF2B5EF4-FFF2-40B4-BE49-F238E27FC236}">
-                <a16:creationId xmlns:a16="http://schemas.microsoft.com/office/drawing/2014/main" id="{8DCAB7E1-53A9-598B-0715-3FF45F4FFEDB}"/>
+                <a16:creationId xmlns:a16="http://schemas.microsoft.com/office/drawing/2014/main" id="{7C3541EF-0492-F1F9-9295-BA0326EAFE6B}"/>
               </a:ext>
             </a:extLst>
           </p:cNvPr>
@@ -1256,7 +1256,7 @@
           <p:cNvPr id="3" name="内容占位符 2">
             <a:extLst>
               <a:ext uri="{FF2B5EF4-FFF2-40B4-BE49-F238E27FC236}">
-                <a16:creationId xmlns:a16="http://schemas.microsoft.com/office/drawing/2014/main" id="{E36A6499-87B4-917F-9464-9D301F4FA806}"/>
+                <a16:creationId xmlns:a16="http://schemas.microsoft.com/office/drawing/2014/main" id="{CA39A2A3-1B5D-5078-6722-9E11E2B27D98}"/>
               </a:ext>
             </a:extLst>
           </p:cNvPr>
@@ -1318,7 +1318,7 @@
           <p:cNvPr id="4" name="内容占位符 3">
             <a:extLst>
               <a:ext uri="{FF2B5EF4-FFF2-40B4-BE49-F238E27FC236}">
-                <a16:creationId xmlns:a16="http://schemas.microsoft.com/office/drawing/2014/main" id="{AE1202D7-3D91-5CB4-A0F4-B2EA19CFBDB5}"/>
+                <a16:creationId xmlns:a16="http://schemas.microsoft.com/office/drawing/2014/main" id="{9E461EA7-CBF5-3644-7480-923F52312C42}"/>
               </a:ext>
             </a:extLst>
           </p:cNvPr>
@@ -1380,7 +1380,7 @@
           <p:cNvPr id="5" name="日期占位符 4">
             <a:extLst>
               <a:ext uri="{FF2B5EF4-FFF2-40B4-BE49-F238E27FC236}">
-                <a16:creationId xmlns:a16="http://schemas.microsoft.com/office/drawing/2014/main" id="{70B92C8A-82ED-D2EC-623D-62DB48A3909E}"/>
+                <a16:creationId xmlns:a16="http://schemas.microsoft.com/office/drawing/2014/main" id="{7FCADCDA-B368-54CC-88F4-F4924710925A}"/>
               </a:ext>
             </a:extLst>
           </p:cNvPr>
@@ -1396,7 +1396,7 @@
           <a:bodyPr/>
           <a:lstStyle/>
           <a:p>
-            <a:fld id="{6CC04AF2-31C3-4651-A44D-DE6AC40EAD4B}" type="datetimeFigureOut">
+            <a:fld id="{4D0CB469-3088-48A8-90F4-DB8C3211BEBC}" type="datetimeFigureOut">
               <a:rPr lang="zh-CN" altLang="en-US" smtClean="0"/>
               <a:t>2024/3/10</a:t>
             </a:fld>
@@ -1409,7 +1409,7 @@
           <p:cNvPr id="6" name="页脚占位符 5">
             <a:extLst>
               <a:ext uri="{FF2B5EF4-FFF2-40B4-BE49-F238E27FC236}">
-                <a16:creationId xmlns:a16="http://schemas.microsoft.com/office/drawing/2014/main" id="{3BCDD4C9-7B90-76C6-57F0-A6261B5B2D89}"/>
+                <a16:creationId xmlns:a16="http://schemas.microsoft.com/office/drawing/2014/main" id="{5B2C222C-88BA-D16E-1A79-71036C07F654}"/>
               </a:ext>
             </a:extLst>
           </p:cNvPr>
@@ -1434,7 +1434,7 @@
           <p:cNvPr id="7" name="灯片编号占位符 6">
             <a:extLst>
               <a:ext uri="{FF2B5EF4-FFF2-40B4-BE49-F238E27FC236}">
-                <a16:creationId xmlns:a16="http://schemas.microsoft.com/office/drawing/2014/main" id="{CBC7E4D4-9C90-1BEB-1457-8D826D40F481}"/>
+                <a16:creationId xmlns:a16="http://schemas.microsoft.com/office/drawing/2014/main" id="{D80CE1DD-B7F4-DE1A-D457-106CF7B3F5CE}"/>
               </a:ext>
             </a:extLst>
           </p:cNvPr>
@@ -1450,7 +1450,7 @@
           <a:bodyPr/>
           <a:lstStyle/>
           <a:p>
-            <a:fld id="{B5FC9A1A-C74F-4F2D-9997-39B4576ED4EB}" type="slidenum">
+            <a:fld id="{6AD8B60D-DB2A-4358-BEF7-61348644784B}" type="slidenum">
               <a:rPr lang="zh-CN" altLang="en-US" smtClean="0"/>
               <a:t>‹#›</a:t>
             </a:fld>
@@ -1461,7 +1461,7 @@
     </p:spTree>
     <p:extLst>
       <p:ext uri="{BB962C8B-B14F-4D97-AF65-F5344CB8AC3E}">
-        <p14:creationId xmlns:p14="http://schemas.microsoft.com/office/powerpoint/2010/main" val="1447440341"/>
+        <p14:creationId xmlns:p14="http://schemas.microsoft.com/office/powerpoint/2010/main" val="1663624295"/>
       </p:ext>
     </p:extLst>
   </p:cSld>
@@ -1493,7 +1493,7 @@
           <p:cNvPr id="2" name="标题 1">
             <a:extLst>
               <a:ext uri="{FF2B5EF4-FFF2-40B4-BE49-F238E27FC236}">
-                <a16:creationId xmlns:a16="http://schemas.microsoft.com/office/drawing/2014/main" id="{2BDAA0B6-FD62-A372-4946-2C3B3249CD69}"/>
+                <a16:creationId xmlns:a16="http://schemas.microsoft.com/office/drawing/2014/main" id="{209AE973-F745-976E-913E-859B252DF63C}"/>
               </a:ext>
             </a:extLst>
           </p:cNvPr>
@@ -1526,7 +1526,7 @@
           <p:cNvPr id="3" name="文本占位符 2">
             <a:extLst>
               <a:ext uri="{FF2B5EF4-FFF2-40B4-BE49-F238E27FC236}">
-                <a16:creationId xmlns:a16="http://schemas.microsoft.com/office/drawing/2014/main" id="{BABB3F33-C810-2366-D686-BE72EFE074A3}"/>
+                <a16:creationId xmlns:a16="http://schemas.microsoft.com/office/drawing/2014/main" id="{4481181C-DCC7-E250-996C-A694876370F1}"/>
               </a:ext>
             </a:extLst>
           </p:cNvPr>
@@ -1597,7 +1597,7 @@
           <p:cNvPr id="4" name="内容占位符 3">
             <a:extLst>
               <a:ext uri="{FF2B5EF4-FFF2-40B4-BE49-F238E27FC236}">
-                <a16:creationId xmlns:a16="http://schemas.microsoft.com/office/drawing/2014/main" id="{04A8C4F5-8AB0-4B7A-8A73-424F03E167EA}"/>
+                <a16:creationId xmlns:a16="http://schemas.microsoft.com/office/drawing/2014/main" id="{A9A01F82-3CAA-89AD-EA0B-2B821A054E2F}"/>
               </a:ext>
             </a:extLst>
           </p:cNvPr>
@@ -1659,7 +1659,7 @@
           <p:cNvPr id="5" name="文本占位符 4">
             <a:extLst>
               <a:ext uri="{FF2B5EF4-FFF2-40B4-BE49-F238E27FC236}">
-                <a16:creationId xmlns:a16="http://schemas.microsoft.com/office/drawing/2014/main" id="{DD09B3FF-3CEC-ED5C-D20E-B8BD968373DE}"/>
+                <a16:creationId xmlns:a16="http://schemas.microsoft.com/office/drawing/2014/main" id="{FC0D0787-CBFD-148F-5F78-B07E4946297A}"/>
               </a:ext>
             </a:extLst>
           </p:cNvPr>
@@ -1730,7 +1730,7 @@
           <p:cNvPr id="6" name="内容占位符 5">
             <a:extLst>
               <a:ext uri="{FF2B5EF4-FFF2-40B4-BE49-F238E27FC236}">
-                <a16:creationId xmlns:a16="http://schemas.microsoft.com/office/drawing/2014/main" id="{F621B4B7-60F4-D4D4-E036-692C23AA4DFC}"/>
+                <a16:creationId xmlns:a16="http://schemas.microsoft.com/office/drawing/2014/main" id="{4645F800-20C8-62E9-15DB-FA535B203B48}"/>
               </a:ext>
             </a:extLst>
           </p:cNvPr>
@@ -1792,7 +1792,7 @@
           <p:cNvPr id="7" name="日期占位符 6">
             <a:extLst>
               <a:ext uri="{FF2B5EF4-FFF2-40B4-BE49-F238E27FC236}">
-                <a16:creationId xmlns:a16="http://schemas.microsoft.com/office/drawing/2014/main" id="{EF58DEE9-859A-3199-4E56-13A8E7D4BC76}"/>
+                <a16:creationId xmlns:a16="http://schemas.microsoft.com/office/drawing/2014/main" id="{4FC69F79-22FD-E851-879E-2703218B7C49}"/>
               </a:ext>
             </a:extLst>
           </p:cNvPr>
@@ -1808,7 +1808,7 @@
           <a:bodyPr/>
           <a:lstStyle/>
           <a:p>
-            <a:fld id="{6CC04AF2-31C3-4651-A44D-DE6AC40EAD4B}" type="datetimeFigureOut">
+            <a:fld id="{4D0CB469-3088-48A8-90F4-DB8C3211BEBC}" type="datetimeFigureOut">
               <a:rPr lang="zh-CN" altLang="en-US" smtClean="0"/>
               <a:t>2024/3/10</a:t>
             </a:fld>
@@ -1821,7 +1821,7 @@
           <p:cNvPr id="8" name="页脚占位符 7">
             <a:extLst>
               <a:ext uri="{FF2B5EF4-FFF2-40B4-BE49-F238E27FC236}">
-                <a16:creationId xmlns:a16="http://schemas.microsoft.com/office/drawing/2014/main" id="{4BF59945-A463-1CF6-F57B-FE4379ED74A1}"/>
+                <a16:creationId xmlns:a16="http://schemas.microsoft.com/office/drawing/2014/main" id="{C2DCBC93-1FBE-C94B-259A-E64398D4F4A4}"/>
               </a:ext>
             </a:extLst>
           </p:cNvPr>
@@ -1846,7 +1846,7 @@
           <p:cNvPr id="9" name="灯片编号占位符 8">
             <a:extLst>
               <a:ext uri="{FF2B5EF4-FFF2-40B4-BE49-F238E27FC236}">
-                <a16:creationId xmlns:a16="http://schemas.microsoft.com/office/drawing/2014/main" id="{9D82ED48-9EBA-CE14-C8A8-B26A76881815}"/>
+                <a16:creationId xmlns:a16="http://schemas.microsoft.com/office/drawing/2014/main" id="{034FBF17-FD28-CE59-901B-6094DA80A9A3}"/>
               </a:ext>
             </a:extLst>
           </p:cNvPr>
@@ -1862,7 +1862,7 @@
           <a:bodyPr/>
           <a:lstStyle/>
           <a:p>
-            <a:fld id="{B5FC9A1A-C74F-4F2D-9997-39B4576ED4EB}" type="slidenum">
+            <a:fld id="{6AD8B60D-DB2A-4358-BEF7-61348644784B}" type="slidenum">
               <a:rPr lang="zh-CN" altLang="en-US" smtClean="0"/>
               <a:t>‹#›</a:t>
             </a:fld>
@@ -1873,7 +1873,7 @@
     </p:spTree>
     <p:extLst>
       <p:ext uri="{BB962C8B-B14F-4D97-AF65-F5344CB8AC3E}">
-        <p14:creationId xmlns:p14="http://schemas.microsoft.com/office/powerpoint/2010/main" val="1066773967"/>
+        <p14:creationId xmlns:p14="http://schemas.microsoft.com/office/powerpoint/2010/main" val="3775108966"/>
       </p:ext>
     </p:extLst>
   </p:cSld>
@@ -1905,7 +1905,7 @@
           <p:cNvPr id="2" name="标题 1">
             <a:extLst>
               <a:ext uri="{FF2B5EF4-FFF2-40B4-BE49-F238E27FC236}">
-                <a16:creationId xmlns:a16="http://schemas.microsoft.com/office/drawing/2014/main" id="{2CF6E355-FFF6-A693-5ED1-D174B1AB6134}"/>
+                <a16:creationId xmlns:a16="http://schemas.microsoft.com/office/drawing/2014/main" id="{DD35CBDB-6F31-AD46-EBD5-8640BC7BE0ED}"/>
               </a:ext>
             </a:extLst>
           </p:cNvPr>
@@ -1933,7 +1933,7 @@
           <p:cNvPr id="3" name="日期占位符 2">
             <a:extLst>
               <a:ext uri="{FF2B5EF4-FFF2-40B4-BE49-F238E27FC236}">
-                <a16:creationId xmlns:a16="http://schemas.microsoft.com/office/drawing/2014/main" id="{1D898CA8-5CF6-D108-F225-1CEB50756C0F}"/>
+                <a16:creationId xmlns:a16="http://schemas.microsoft.com/office/drawing/2014/main" id="{DF1B5F8B-0D27-EB90-6F0B-36AFCF5E8F1D}"/>
               </a:ext>
             </a:extLst>
           </p:cNvPr>
@@ -1949,7 +1949,7 @@
           <a:bodyPr/>
           <a:lstStyle/>
           <a:p>
-            <a:fld id="{6CC04AF2-31C3-4651-A44D-DE6AC40EAD4B}" type="datetimeFigureOut">
+            <a:fld id="{4D0CB469-3088-48A8-90F4-DB8C3211BEBC}" type="datetimeFigureOut">
               <a:rPr lang="zh-CN" altLang="en-US" smtClean="0"/>
               <a:t>2024/3/10</a:t>
             </a:fld>
@@ -1962,7 +1962,7 @@
           <p:cNvPr id="4" name="页脚占位符 3">
             <a:extLst>
               <a:ext uri="{FF2B5EF4-FFF2-40B4-BE49-F238E27FC236}">
-                <a16:creationId xmlns:a16="http://schemas.microsoft.com/office/drawing/2014/main" id="{FEC399A3-5AFA-9AF2-3A3B-369116B5C4F8}"/>
+                <a16:creationId xmlns:a16="http://schemas.microsoft.com/office/drawing/2014/main" id="{1F63A690-8F8E-DE1D-7126-AEA3A9057F07}"/>
               </a:ext>
             </a:extLst>
           </p:cNvPr>
@@ -1987,7 +1987,7 @@
           <p:cNvPr id="5" name="灯片编号占位符 4">
             <a:extLst>
               <a:ext uri="{FF2B5EF4-FFF2-40B4-BE49-F238E27FC236}">
-                <a16:creationId xmlns:a16="http://schemas.microsoft.com/office/drawing/2014/main" id="{7ABEB878-B22E-4917-F4E3-B830B26DD871}"/>
+                <a16:creationId xmlns:a16="http://schemas.microsoft.com/office/drawing/2014/main" id="{D9DD5075-0512-3DEE-7CB6-360DA5E7E7E0}"/>
               </a:ext>
             </a:extLst>
           </p:cNvPr>
@@ -2003,7 +2003,7 @@
           <a:bodyPr/>
           <a:lstStyle/>
           <a:p>
-            <a:fld id="{B5FC9A1A-C74F-4F2D-9997-39B4576ED4EB}" type="slidenum">
+            <a:fld id="{6AD8B60D-DB2A-4358-BEF7-61348644784B}" type="slidenum">
               <a:rPr lang="zh-CN" altLang="en-US" smtClean="0"/>
               <a:t>‹#›</a:t>
             </a:fld>
@@ -2014,7 +2014,7 @@
     </p:spTree>
     <p:extLst>
       <p:ext uri="{BB962C8B-B14F-4D97-AF65-F5344CB8AC3E}">
-        <p14:creationId xmlns:p14="http://schemas.microsoft.com/office/powerpoint/2010/main" val="205362242"/>
+        <p14:creationId xmlns:p14="http://schemas.microsoft.com/office/powerpoint/2010/main" val="600591428"/>
       </p:ext>
     </p:extLst>
   </p:cSld>
@@ -2046,7 +2046,7 @@
           <p:cNvPr id="2" name="日期占位符 1">
             <a:extLst>
               <a:ext uri="{FF2B5EF4-FFF2-40B4-BE49-F238E27FC236}">
-                <a16:creationId xmlns:a16="http://schemas.microsoft.com/office/drawing/2014/main" id="{E92CDD95-4195-2A28-A5B3-7FEBD6F7D071}"/>
+                <a16:creationId xmlns:a16="http://schemas.microsoft.com/office/drawing/2014/main" id="{8FB3BBB6-BB99-EEDC-A8CE-83EF0DEFFA40}"/>
               </a:ext>
             </a:extLst>
           </p:cNvPr>
@@ -2062,7 +2062,7 @@
           <a:bodyPr/>
           <a:lstStyle/>
           <a:p>
-            <a:fld id="{6CC04AF2-31C3-4651-A44D-DE6AC40EAD4B}" type="datetimeFigureOut">
+            <a:fld id="{4D0CB469-3088-48A8-90F4-DB8C3211BEBC}" type="datetimeFigureOut">
               <a:rPr lang="zh-CN" altLang="en-US" smtClean="0"/>
               <a:t>2024/3/10</a:t>
             </a:fld>
@@ -2075,7 +2075,7 @@
           <p:cNvPr id="3" name="页脚占位符 2">
             <a:extLst>
               <a:ext uri="{FF2B5EF4-FFF2-40B4-BE49-F238E27FC236}">
-                <a16:creationId xmlns:a16="http://schemas.microsoft.com/office/drawing/2014/main" id="{B4CFF61C-1D57-5E6E-5CF7-E5FCE53E94E5}"/>
+                <a16:creationId xmlns:a16="http://schemas.microsoft.com/office/drawing/2014/main" id="{4569E7B9-2ADF-8C17-F9EA-C30D7C183DB2}"/>
               </a:ext>
             </a:extLst>
           </p:cNvPr>
@@ -2100,7 +2100,7 @@
           <p:cNvPr id="4" name="灯片编号占位符 3">
             <a:extLst>
               <a:ext uri="{FF2B5EF4-FFF2-40B4-BE49-F238E27FC236}">
-                <a16:creationId xmlns:a16="http://schemas.microsoft.com/office/drawing/2014/main" id="{2AA407D8-83FC-46B1-E84B-4CCA239FC431}"/>
+                <a16:creationId xmlns:a16="http://schemas.microsoft.com/office/drawing/2014/main" id="{781776F5-CBD7-2678-D30E-1466CC40AB22}"/>
               </a:ext>
             </a:extLst>
           </p:cNvPr>
@@ -2116,7 +2116,7 @@
           <a:bodyPr/>
           <a:lstStyle/>
           <a:p>
-            <a:fld id="{B5FC9A1A-C74F-4F2D-9997-39B4576ED4EB}" type="slidenum">
+            <a:fld id="{6AD8B60D-DB2A-4358-BEF7-61348644784B}" type="slidenum">
               <a:rPr lang="zh-CN" altLang="en-US" smtClean="0"/>
               <a:t>‹#›</a:t>
             </a:fld>
@@ -2127,7 +2127,7 @@
     </p:spTree>
     <p:extLst>
       <p:ext uri="{BB962C8B-B14F-4D97-AF65-F5344CB8AC3E}">
-        <p14:creationId xmlns:p14="http://schemas.microsoft.com/office/powerpoint/2010/main" val="1891067272"/>
+        <p14:creationId xmlns:p14="http://schemas.microsoft.com/office/powerpoint/2010/main" val="2202464636"/>
       </p:ext>
     </p:extLst>
   </p:cSld>
@@ -2159,7 +2159,7 @@
           <p:cNvPr id="2" name="标题 1">
             <a:extLst>
               <a:ext uri="{FF2B5EF4-FFF2-40B4-BE49-F238E27FC236}">
-                <a16:creationId xmlns:a16="http://schemas.microsoft.com/office/drawing/2014/main" id="{2BCE8377-563C-2C01-A5DF-DE5E1283396B}"/>
+                <a16:creationId xmlns:a16="http://schemas.microsoft.com/office/drawing/2014/main" id="{01B93613-6971-DCFE-ED89-C9A9C7D32FE8}"/>
               </a:ext>
             </a:extLst>
           </p:cNvPr>
@@ -2196,7 +2196,7 @@
           <p:cNvPr id="3" name="内容占位符 2">
             <a:extLst>
               <a:ext uri="{FF2B5EF4-FFF2-40B4-BE49-F238E27FC236}">
-                <a16:creationId xmlns:a16="http://schemas.microsoft.com/office/drawing/2014/main" id="{3E5243A5-DBE3-9F33-96B0-BE0A59EB94B1}"/>
+                <a16:creationId xmlns:a16="http://schemas.microsoft.com/office/drawing/2014/main" id="{7185EAE6-21F7-F7AB-BF02-DB3F69EED2E3}"/>
               </a:ext>
             </a:extLst>
           </p:cNvPr>
@@ -2286,7 +2286,7 @@
           <p:cNvPr id="4" name="文本占位符 3">
             <a:extLst>
               <a:ext uri="{FF2B5EF4-FFF2-40B4-BE49-F238E27FC236}">
-                <a16:creationId xmlns:a16="http://schemas.microsoft.com/office/drawing/2014/main" id="{0D54661A-B0C3-9BCA-9E64-437811728D63}"/>
+                <a16:creationId xmlns:a16="http://schemas.microsoft.com/office/drawing/2014/main" id="{C2399C57-80E1-F99B-D2BA-1E0018980DC7}"/>
               </a:ext>
             </a:extLst>
           </p:cNvPr>
@@ -2357,7 +2357,7 @@
           <p:cNvPr id="5" name="日期占位符 4">
             <a:extLst>
               <a:ext uri="{FF2B5EF4-FFF2-40B4-BE49-F238E27FC236}">
-                <a16:creationId xmlns:a16="http://schemas.microsoft.com/office/drawing/2014/main" id="{4C9C9A50-BEB1-88CB-EB90-451E857262D5}"/>
+                <a16:creationId xmlns:a16="http://schemas.microsoft.com/office/drawing/2014/main" id="{1E2E6DCF-8AB6-0DA4-D090-320CA6A4A28C}"/>
               </a:ext>
             </a:extLst>
           </p:cNvPr>
@@ -2373,7 +2373,7 @@
           <a:bodyPr/>
           <a:lstStyle/>
           <a:p>
-            <a:fld id="{6CC04AF2-31C3-4651-A44D-DE6AC40EAD4B}" type="datetimeFigureOut">
+            <a:fld id="{4D0CB469-3088-48A8-90F4-DB8C3211BEBC}" type="datetimeFigureOut">
               <a:rPr lang="zh-CN" altLang="en-US" smtClean="0"/>
               <a:t>2024/3/10</a:t>
             </a:fld>
@@ -2386,7 +2386,7 @@
           <p:cNvPr id="6" name="页脚占位符 5">
             <a:extLst>
               <a:ext uri="{FF2B5EF4-FFF2-40B4-BE49-F238E27FC236}">
-                <a16:creationId xmlns:a16="http://schemas.microsoft.com/office/drawing/2014/main" id="{140E589F-082C-B841-DFEB-F666C78ED910}"/>
+                <a16:creationId xmlns:a16="http://schemas.microsoft.com/office/drawing/2014/main" id="{C1FEF101-2285-6324-2710-4E96E90D152C}"/>
               </a:ext>
             </a:extLst>
           </p:cNvPr>
@@ -2411,7 +2411,7 @@
           <p:cNvPr id="7" name="灯片编号占位符 6">
             <a:extLst>
               <a:ext uri="{FF2B5EF4-FFF2-40B4-BE49-F238E27FC236}">
-                <a16:creationId xmlns:a16="http://schemas.microsoft.com/office/drawing/2014/main" id="{B1120047-8A9B-4B29-2FF4-A1F6FE9B7438}"/>
+                <a16:creationId xmlns:a16="http://schemas.microsoft.com/office/drawing/2014/main" id="{3CCE612D-B971-FBA5-6B19-18B46E7C4CC9}"/>
               </a:ext>
             </a:extLst>
           </p:cNvPr>
@@ -2427,7 +2427,7 @@
           <a:bodyPr/>
           <a:lstStyle/>
           <a:p>
-            <a:fld id="{B5FC9A1A-C74F-4F2D-9997-39B4576ED4EB}" type="slidenum">
+            <a:fld id="{6AD8B60D-DB2A-4358-BEF7-61348644784B}" type="slidenum">
               <a:rPr lang="zh-CN" altLang="en-US" smtClean="0"/>
               <a:t>‹#›</a:t>
             </a:fld>
@@ -2438,7 +2438,7 @@
     </p:spTree>
     <p:extLst>
       <p:ext uri="{BB962C8B-B14F-4D97-AF65-F5344CB8AC3E}">
-        <p14:creationId xmlns:p14="http://schemas.microsoft.com/office/powerpoint/2010/main" val="3966197986"/>
+        <p14:creationId xmlns:p14="http://schemas.microsoft.com/office/powerpoint/2010/main" val="740330127"/>
       </p:ext>
     </p:extLst>
   </p:cSld>
@@ -2470,7 +2470,7 @@
           <p:cNvPr id="2" name="标题 1">
             <a:extLst>
               <a:ext uri="{FF2B5EF4-FFF2-40B4-BE49-F238E27FC236}">
-                <a16:creationId xmlns:a16="http://schemas.microsoft.com/office/drawing/2014/main" id="{9A639D8C-1848-8A24-259D-667404706309}"/>
+                <a16:creationId xmlns:a16="http://schemas.microsoft.com/office/drawing/2014/main" id="{398DB8DB-70F7-2C76-9911-E46DE3F9D190}"/>
               </a:ext>
             </a:extLst>
           </p:cNvPr>
@@ -2507,7 +2507,7 @@
           <p:cNvPr id="3" name="图片占位符 2">
             <a:extLst>
               <a:ext uri="{FF2B5EF4-FFF2-40B4-BE49-F238E27FC236}">
-                <a16:creationId xmlns:a16="http://schemas.microsoft.com/office/drawing/2014/main" id="{BE972CC8-55F4-C18B-366F-00E6C5526F95}"/>
+                <a16:creationId xmlns:a16="http://schemas.microsoft.com/office/drawing/2014/main" id="{8BC59ABC-F15F-C311-DD63-D110DFC0AFB8}"/>
               </a:ext>
             </a:extLst>
           </p:cNvPr>
@@ -2574,7 +2574,7 @@
           <p:cNvPr id="4" name="文本占位符 3">
             <a:extLst>
               <a:ext uri="{FF2B5EF4-FFF2-40B4-BE49-F238E27FC236}">
-                <a16:creationId xmlns:a16="http://schemas.microsoft.com/office/drawing/2014/main" id="{A6851989-BBD8-02AF-77A2-A0F6C76B783E}"/>
+                <a16:creationId xmlns:a16="http://schemas.microsoft.com/office/drawing/2014/main" id="{6BC7A260-357D-0C4E-DAA3-00A6332DB4B5}"/>
               </a:ext>
             </a:extLst>
           </p:cNvPr>
@@ -2645,7 +2645,7 @@
           <p:cNvPr id="5" name="日期占位符 4">
             <a:extLst>
               <a:ext uri="{FF2B5EF4-FFF2-40B4-BE49-F238E27FC236}">
-                <a16:creationId xmlns:a16="http://schemas.microsoft.com/office/drawing/2014/main" id="{407290B3-2C3D-76AC-891F-3C80748F6002}"/>
+                <a16:creationId xmlns:a16="http://schemas.microsoft.com/office/drawing/2014/main" id="{B6BA64DD-7CFF-94C5-3B0F-963C998166A3}"/>
               </a:ext>
             </a:extLst>
           </p:cNvPr>
@@ -2661,7 +2661,7 @@
           <a:bodyPr/>
           <a:lstStyle/>
           <a:p>
-            <a:fld id="{6CC04AF2-31C3-4651-A44D-DE6AC40EAD4B}" type="datetimeFigureOut">
+            <a:fld id="{4D0CB469-3088-48A8-90F4-DB8C3211BEBC}" type="datetimeFigureOut">
               <a:rPr lang="zh-CN" altLang="en-US" smtClean="0"/>
               <a:t>2024/3/10</a:t>
             </a:fld>
@@ -2674,7 +2674,7 @@
           <p:cNvPr id="6" name="页脚占位符 5">
             <a:extLst>
               <a:ext uri="{FF2B5EF4-FFF2-40B4-BE49-F238E27FC236}">
-                <a16:creationId xmlns:a16="http://schemas.microsoft.com/office/drawing/2014/main" id="{F2D4F4F8-04B1-66F8-9FF3-05F21406A15D}"/>
+                <a16:creationId xmlns:a16="http://schemas.microsoft.com/office/drawing/2014/main" id="{12D3B870-BF64-3273-7B39-26909449F265}"/>
               </a:ext>
             </a:extLst>
           </p:cNvPr>
@@ -2699,7 +2699,7 @@
           <p:cNvPr id="7" name="灯片编号占位符 6">
             <a:extLst>
               <a:ext uri="{FF2B5EF4-FFF2-40B4-BE49-F238E27FC236}">
-                <a16:creationId xmlns:a16="http://schemas.microsoft.com/office/drawing/2014/main" id="{30A61CE1-F003-1D26-CB3B-405CFEAF63B1}"/>
+                <a16:creationId xmlns:a16="http://schemas.microsoft.com/office/drawing/2014/main" id="{AFD12243-5503-D4FF-1CC5-71FB9A345FD4}"/>
               </a:ext>
             </a:extLst>
           </p:cNvPr>
@@ -2715,7 +2715,7 @@
           <a:bodyPr/>
           <a:lstStyle/>
           <a:p>
-            <a:fld id="{B5FC9A1A-C74F-4F2D-9997-39B4576ED4EB}" type="slidenum">
+            <a:fld id="{6AD8B60D-DB2A-4358-BEF7-61348644784B}" type="slidenum">
               <a:rPr lang="zh-CN" altLang="en-US" smtClean="0"/>
               <a:t>‹#›</a:t>
             </a:fld>
@@ -2726,7 +2726,7 @@
     </p:spTree>
     <p:extLst>
       <p:ext uri="{BB962C8B-B14F-4D97-AF65-F5344CB8AC3E}">
-        <p14:creationId xmlns:p14="http://schemas.microsoft.com/office/powerpoint/2010/main" val="4140322878"/>
+        <p14:creationId xmlns:p14="http://schemas.microsoft.com/office/powerpoint/2010/main" val="3829091949"/>
       </p:ext>
     </p:extLst>
   </p:cSld>
@@ -2763,7 +2763,7 @@
           <p:cNvPr id="2" name="标题占位符 1">
             <a:extLst>
               <a:ext uri="{FF2B5EF4-FFF2-40B4-BE49-F238E27FC236}">
-                <a16:creationId xmlns:a16="http://schemas.microsoft.com/office/drawing/2014/main" id="{B80FD31D-CB54-58E4-38DC-43967C827104}"/>
+                <a16:creationId xmlns:a16="http://schemas.microsoft.com/office/drawing/2014/main" id="{87957EE1-6950-66AC-408B-ECE28D7E6B93}"/>
               </a:ext>
             </a:extLst>
           </p:cNvPr>
@@ -2801,7 +2801,7 @@
           <p:cNvPr id="3" name="文本占位符 2">
             <a:extLst>
               <a:ext uri="{FF2B5EF4-FFF2-40B4-BE49-F238E27FC236}">
-                <a16:creationId xmlns:a16="http://schemas.microsoft.com/office/drawing/2014/main" id="{C20B6F61-333B-A9D2-2D1E-387D9CF87EC1}"/>
+                <a16:creationId xmlns:a16="http://schemas.microsoft.com/office/drawing/2014/main" id="{F231DC53-5827-E070-8A21-42C87E36875D}"/>
               </a:ext>
             </a:extLst>
           </p:cNvPr>
@@ -2868,7 +2868,7 @@
           <p:cNvPr id="4" name="日期占位符 3">
             <a:extLst>
               <a:ext uri="{FF2B5EF4-FFF2-40B4-BE49-F238E27FC236}">
-                <a16:creationId xmlns:a16="http://schemas.microsoft.com/office/drawing/2014/main" id="{E68FD90B-370E-E1EC-36C8-7281F6744F36}"/>
+                <a16:creationId xmlns:a16="http://schemas.microsoft.com/office/drawing/2014/main" id="{A971F3B2-1D59-F517-4ADE-06F581906774}"/>
               </a:ext>
             </a:extLst>
           </p:cNvPr>
@@ -2902,7 +2902,7 @@
             </a:lvl1pPr>
           </a:lstStyle>
           <a:p>
-            <a:fld id="{6CC04AF2-31C3-4651-A44D-DE6AC40EAD4B}" type="datetimeFigureOut">
+            <a:fld id="{4D0CB469-3088-48A8-90F4-DB8C3211BEBC}" type="datetimeFigureOut">
               <a:rPr lang="zh-CN" altLang="en-US" smtClean="0"/>
               <a:t>2024/3/10</a:t>
             </a:fld>
@@ -2915,7 +2915,7 @@
           <p:cNvPr id="5" name="页脚占位符 4">
             <a:extLst>
               <a:ext uri="{FF2B5EF4-FFF2-40B4-BE49-F238E27FC236}">
-                <a16:creationId xmlns:a16="http://schemas.microsoft.com/office/drawing/2014/main" id="{700EE575-CA05-967A-3642-9273AC49B948}"/>
+                <a16:creationId xmlns:a16="http://schemas.microsoft.com/office/drawing/2014/main" id="{FAC130AD-802B-463B-FAE9-9819B21A0736}"/>
               </a:ext>
             </a:extLst>
           </p:cNvPr>
@@ -2958,7 +2958,7 @@
           <p:cNvPr id="6" name="灯片编号占位符 5">
             <a:extLst>
               <a:ext uri="{FF2B5EF4-FFF2-40B4-BE49-F238E27FC236}">
-                <a16:creationId xmlns:a16="http://schemas.microsoft.com/office/drawing/2014/main" id="{97A0619E-2C8D-E1F0-27CA-E73396BDBDF5}"/>
+                <a16:creationId xmlns:a16="http://schemas.microsoft.com/office/drawing/2014/main" id="{6BE63203-E43C-D559-38C6-6E8395837EAA}"/>
               </a:ext>
             </a:extLst>
           </p:cNvPr>
@@ -2992,7 +2992,7 @@
             </a:lvl1pPr>
           </a:lstStyle>
           <a:p>
-            <a:fld id="{B5FC9A1A-C74F-4F2D-9997-39B4576ED4EB}" type="slidenum">
+            <a:fld id="{6AD8B60D-DB2A-4358-BEF7-61348644784B}" type="slidenum">
               <a:rPr lang="zh-CN" altLang="en-US" smtClean="0"/>
               <a:t>‹#›</a:t>
             </a:fld>
@@ -3003,7 +3003,7 @@
     </p:spTree>
     <p:extLst>
       <p:ext uri="{BB962C8B-B14F-4D97-AF65-F5344CB8AC3E}">
-        <p14:creationId xmlns:p14="http://schemas.microsoft.com/office/powerpoint/2010/main" val="1468941131"/>
+        <p14:creationId xmlns:p14="http://schemas.microsoft.com/office/powerpoint/2010/main" val="3415890428"/>
       </p:ext>
     </p:extLst>
   </p:cSld>
@@ -3323,7 +3323,7 @@
       </p:grpSpPr>
       <p:pic>
         <p:nvPicPr>
-          <p:cNvPr id="1270786" name="Picture 2" descr="1240"/>
+          <p:cNvPr id="1271810" name="Picture 2" descr="1241"/>
           <p:cNvPicPr>
             <a:picLocks noChangeAspect="1" noChangeArrowheads="1"/>
           </p:cNvPicPr>
@@ -3375,11 +3375,158 @@
           </a:extLst>
         </p:spPr>
       </p:pic>
+      <p:pic>
+        <p:nvPicPr>
+          <p:cNvPr id="1272835" name="Picture 3" descr="1241-2"/>
+          <p:cNvPicPr>
+            <a:picLocks noChangeAspect="1" noChangeArrowheads="1"/>
+          </p:cNvPicPr>
+          <p:nvPr/>
+        </p:nvPicPr>
+        <p:blipFill>
+          <a:blip r:embed="rId3">
+            <a:extLst>
+              <a:ext uri="{28A0092B-C50C-407E-A947-70E740481C1C}">
+                <a14:useLocalDpi xmlns:a14="http://schemas.microsoft.com/office/drawing/2010/main" val="0"/>
+              </a:ext>
+            </a:extLst>
+          </a:blip>
+          <a:srcRect/>
+          <a:stretch>
+            <a:fillRect/>
+          </a:stretch>
+        </p:blipFill>
+        <p:spPr bwMode="auto">
+          <a:xfrm>
+            <a:off x="1524000" y="1"/>
+            <a:ext cx="9144000" cy="6886575"/>
+          </a:xfrm>
+          <a:prstGeom prst="rect">
+            <a:avLst/>
+          </a:prstGeom>
+          <a:noFill/>
+          <a:ln>
+            <a:noFill/>
+          </a:ln>
+          <a:effectLst/>
+          <a:extLst>
+            <a:ext uri="{909E8E84-426E-40DD-AFC4-6F175D3DCCD1}">
+              <a14:hiddenFill xmlns:a14="http://schemas.microsoft.com/office/drawing/2010/main">
+                <a:solidFill>
+                  <a:srgbClr val="FFFFFF"/>
+                </a:solidFill>
+              </a14:hiddenFill>
+            </a:ext>
+            <a:ext uri="{91240B29-F687-4F45-9708-019B960494DF}">
+              <a14:hiddenLine xmlns:a14="http://schemas.microsoft.com/office/drawing/2010/main" w="9525">
+                <a:solidFill>
+                  <a:srgbClr val="000000"/>
+                </a:solidFill>
+                <a:miter lim="800000"/>
+                <a:headEnd/>
+                <a:tailEnd/>
+              </a14:hiddenLine>
+            </a:ext>
+            <a:ext uri="{AF507438-7753-43E0-B8FC-AC1667EBCBE1}">
+              <a14:hiddenEffects xmlns:a14="http://schemas.microsoft.com/office/drawing/2010/main">
+                <a:effectLst>
+                  <a:outerShdw dist="35921" dir="2700000" algn="ctr" rotWithShape="0">
+                    <a:srgbClr val="808080"/>
+                  </a:outerShdw>
+                </a:effectLst>
+              </a14:hiddenEffects>
+            </a:ext>
+          </a:extLst>
+        </p:spPr>
+      </p:pic>
     </p:spTree>
   </p:cSld>
   <p:clrMapOvr>
     <a:masterClrMapping/>
   </p:clrMapOvr>
+  <p:timing>
+    <p:tnLst>
+      <p:par>
+        <p:cTn id="1" dur="indefinite" restart="never" nodeType="tmRoot">
+          <p:childTnLst>
+            <p:seq concurrent="1" nextAc="seek">
+              <p:cTn id="2" dur="indefinite" nodeType="mainSeq">
+                <p:childTnLst>
+                  <p:par>
+                    <p:cTn id="3" fill="hold" nodeType="clickPar">
+                      <p:stCondLst>
+                        <p:cond delay="indefinite"/>
+                      </p:stCondLst>
+                      <p:childTnLst>
+                        <p:par>
+                          <p:cTn id="4" fill="hold" nodeType="withGroup">
+                            <p:stCondLst>
+                              <p:cond delay="0"/>
+                            </p:stCondLst>
+                            <p:childTnLst>
+                              <p:par>
+                                <p:cTn id="5" presetID="10" presetClass="entr" presetSubtype="0" fill="hold" nodeType="clickEffect">
+                                  <p:stCondLst>
+                                    <p:cond delay="0"/>
+                                  </p:stCondLst>
+                                  <p:childTnLst>
+                                    <p:set>
+                                      <p:cBhvr>
+                                        <p:cTn id="6" dur="1" fill="hold">
+                                          <p:stCondLst>
+                                            <p:cond delay="0"/>
+                                          </p:stCondLst>
+                                        </p:cTn>
+                                        <p:tgtEl>
+                                          <p:spTgt spid="1272835"/>
+                                        </p:tgtEl>
+                                        <p:attrNameLst>
+                                          <p:attrName>style.visibility</p:attrName>
+                                        </p:attrNameLst>
+                                      </p:cBhvr>
+                                      <p:to>
+                                        <p:strVal val="visible"/>
+                                      </p:to>
+                                    </p:set>
+                                    <p:animEffect transition="in" filter="fade">
+                                      <p:cBhvr>
+                                        <p:cTn id="7" dur="500"/>
+                                        <p:tgtEl>
+                                          <p:spTgt spid="1272835"/>
+                                        </p:tgtEl>
+                                      </p:cBhvr>
+                                    </p:animEffect>
+                                  </p:childTnLst>
+                                </p:cTn>
+                              </p:par>
+                            </p:childTnLst>
+                          </p:cTn>
+                        </p:par>
+                      </p:childTnLst>
+                    </p:cTn>
+                  </p:par>
+                </p:childTnLst>
+              </p:cTn>
+              <p:prevCondLst>
+                <p:cond evt="onPrev" delay="0">
+                  <p:tgtEl>
+                    <p:sldTgt/>
+                  </p:tgtEl>
+                </p:cond>
+              </p:prevCondLst>
+              <p:nextCondLst>
+                <p:cond evt="onNext" delay="0">
+                  <p:tgtEl>
+                    <p:sldTgt/>
+                  </p:tgtEl>
+                </p:cond>
+              </p:nextCondLst>
+            </p:seq>
+          </p:childTnLst>
+        </p:cTn>
+      </p:par>
+    </p:tnLst>
+  </p:timing>
 </p:sld>
 </file>
 
